--- a/Détection de doublons d’images par ressemblance.pptx
+++ b/Détection de doublons d’images par ressemblance.pptx
@@ -16,7 +16,7 @@
     <p:sldId id="3553" r:id="rId7"/>
     <p:sldId id="3554" r:id="rId8"/>
     <p:sldId id="3558" r:id="rId9"/>
-    <p:sldId id="3557" r:id="rId10"/>
+    <p:sldId id="3559" r:id="rId10"/>
   </p:sldIdLst>
   <p:sldSz cx="12192000" cy="6858000"/>
   <p:notesSz cx="6858000" cy="9144000"/>
@@ -5823,7 +5823,7 @@
         <p:cNvPr id="1" name="">
           <a:extLst>
             <a:ext uri="{FF2B5EF4-FFF2-40B4-BE49-F238E27FC236}">
-              <a16:creationId xmlns:a16="http://schemas.microsoft.com/office/drawing/2014/main" id="{DD5C9B19-7E9E-5876-2CF8-4732DC5A9EB7}"/>
+              <a16:creationId xmlns:a16="http://schemas.microsoft.com/office/drawing/2014/main" id="{8D5EAE66-0696-6F41-9D38-DE68188993B1}"/>
             </a:ext>
           </a:extLst>
         </p:cNvPr>
@@ -5843,7 +5843,7 @@
           <p:cNvPr id="6" name="ZoneTexte 5">
             <a:extLst>
               <a:ext uri="{FF2B5EF4-FFF2-40B4-BE49-F238E27FC236}">
-                <a16:creationId xmlns:a16="http://schemas.microsoft.com/office/drawing/2014/main" id="{2161F773-07A5-4ACA-DECA-320BBE1399F9}"/>
+                <a16:creationId xmlns:a16="http://schemas.microsoft.com/office/drawing/2014/main" id="{19876B6B-33E7-A77D-EF90-FDC08960AFB1}"/>
               </a:ext>
             </a:extLst>
           </p:cNvPr>
@@ -5852,8 +5852,8 @@
         </p:nvSpPr>
         <p:spPr>
           <a:xfrm>
-            <a:off x="237065" y="318452"/>
-            <a:ext cx="11288889" cy="6556347"/>
+            <a:off x="237066" y="318452"/>
+            <a:ext cx="5610578" cy="5068760"/>
           </a:xfrm>
           <a:prstGeom prst="rect">
             <a:avLst/>
@@ -5866,13 +5866,22 @@
           </a:bodyPr>
           <a:lstStyle/>
           <a:p>
+            <a:pPr>
+              <a:lnSpc>
+                <a:spcPct val="115000"/>
+              </a:lnSpc>
+              <a:spcAft>
+                <a:spcPts val="800"/>
+              </a:spcAft>
+              <a:buNone/>
+            </a:pPr>
             <a:r>
               <a:rPr lang="fr-FR" b="1" dirty="0">
                 <a:solidFill>
                   <a:srgbClr val="C00000"/>
                 </a:solidFill>
               </a:rPr>
-              <a:t>Solution Visual Studio : des packages </a:t>
+              <a:t>Principe de </a:t>
             </a:r>
             <a:r>
               <a:rPr lang="fr-FR" b="1" dirty="0" err="1">
@@ -5880,187 +5889,87 @@
                   <a:srgbClr val="C00000"/>
                 </a:solidFill>
               </a:rPr>
-              <a:t>Nuget</a:t>
-            </a:r>
-            <a:endParaRPr lang="fr-FR" b="1" dirty="0">
-              <a:solidFill>
-                <a:srgbClr val="C00000"/>
-              </a:solidFill>
-            </a:endParaRPr>
-          </a:p>
-          <a:p>
-            <a:endParaRPr lang="fr-FR" b="1" dirty="0">
-              <a:solidFill>
-                <a:srgbClr val="C00000"/>
-              </a:solidFill>
-            </a:endParaRPr>
-          </a:p>
-          <a:p>
-            <a:pPr marL="285750" indent="-285750">
-              <a:buFont typeface="Arial" panose="020B0604020202020204" pitchFamily="34" charset="0"/>
-              <a:buChar char="•"/>
+              <a:t>DetectImages</a:t>
+            </a:r>
+            <a:r>
+              <a:rPr lang="fr-FR" b="1" dirty="0">
+                <a:solidFill>
+                  <a:srgbClr val="C00000"/>
+                </a:solidFill>
+              </a:rPr>
+              <a:t> : application </a:t>
+            </a:r>
+            <a:r>
+              <a:rPr lang="fr-FR" b="1" dirty="0" err="1">
+                <a:solidFill>
+                  <a:srgbClr val="C00000"/>
+                </a:solidFill>
+              </a:rPr>
+              <a:t>Balzor</a:t>
+            </a:r>
+            <a:r>
+              <a:rPr lang="fr-FR" b="1" dirty="0">
+                <a:solidFill>
+                  <a:srgbClr val="C00000"/>
+                </a:solidFill>
+              </a:rPr>
+              <a:t> Server</a:t>
+            </a:r>
+          </a:p>
+          <a:p>
+            <a:pPr>
+              <a:lnSpc>
+                <a:spcPct val="115000"/>
+              </a:lnSpc>
+              <a:spcAft>
+                <a:spcPts val="800"/>
+              </a:spcAft>
+              <a:buNone/>
             </a:pPr>
             <a:r>
+              <a:rPr lang="fr-FR" dirty="0"/>
+              <a:t>👉 </a:t>
+            </a:r>
+            <a:r>
               <a:rPr lang="fr-FR" b="1" dirty="0"/>
-              <a:t>Machine Learning</a:t>
-            </a:r>
-          </a:p>
-          <a:p>
-            <a:pPr lvl="1"/>
-            <a:r>
-              <a:rPr lang="fr-FR" kern="100" dirty="0">
-                <a:ea typeface="Aptos" panose="020B0004020202020204" pitchFamily="34" charset="0"/>
-                <a:cs typeface="Times New Roman" panose="02020603050405020304" pitchFamily="18" charset="0"/>
-              </a:rPr>
-              <a:t>&lt;</a:t>
-            </a:r>
-            <a:r>
-              <a:rPr lang="fr-FR" kern="100" dirty="0" err="1">
-                <a:cs typeface="Times New Roman" panose="02020603050405020304" pitchFamily="18" charset="0"/>
-              </a:rPr>
-              <a:t>PackageReference</a:t>
-            </a:r>
-            <a:r>
-              <a:rPr lang="fr-FR" kern="100" dirty="0">
-                <a:ea typeface="Aptos" panose="020B0004020202020204" pitchFamily="34" charset="0"/>
-                <a:cs typeface="Times New Roman" panose="02020603050405020304" pitchFamily="18" charset="0"/>
-              </a:rPr>
-              <a:t> </a:t>
-            </a:r>
-            <a:r>
-              <a:rPr lang="fr-FR" kern="100" dirty="0" err="1">
-                <a:ea typeface="Aptos" panose="020B0004020202020204" pitchFamily="34" charset="0"/>
-                <a:cs typeface="Times New Roman" panose="02020603050405020304" pitchFamily="18" charset="0"/>
-              </a:rPr>
-              <a:t>Include</a:t>
-            </a:r>
-            <a:r>
-              <a:rPr lang="fr-FR" kern="100" dirty="0">
-                <a:ea typeface="Aptos" panose="020B0004020202020204" pitchFamily="34" charset="0"/>
-                <a:cs typeface="Times New Roman" panose="02020603050405020304" pitchFamily="18" charset="0"/>
-              </a:rPr>
-              <a:t>="</a:t>
-            </a:r>
-            <a:r>
-              <a:rPr lang="fr-FR" kern="100" dirty="0" err="1">
-                <a:ea typeface="Aptos" panose="020B0004020202020204" pitchFamily="34" charset="0"/>
-                <a:cs typeface="Times New Roman" panose="02020603050405020304" pitchFamily="18" charset="0"/>
-              </a:rPr>
-              <a:t>Microsoft.ML.</a:t>
-            </a:r>
-            <a:r>
-              <a:rPr lang="fr-FR" kern="100" dirty="0" err="1">
-                <a:cs typeface="Times New Roman" panose="02020603050405020304" pitchFamily="18" charset="0"/>
-              </a:rPr>
-              <a:t>OnnxTransformer</a:t>
-            </a:r>
-            <a:r>
-              <a:rPr lang="fr-FR" kern="100" dirty="0">
-                <a:cs typeface="Times New Roman" panose="02020603050405020304" pitchFamily="18" charset="0"/>
-              </a:rPr>
-              <a:t>" Version="4.0.2" /&gt;</a:t>
-            </a:r>
-          </a:p>
-          <a:p>
-            <a:pPr lvl="1"/>
-            <a:r>
-              <a:rPr lang="fr-FR" kern="100" dirty="0">
-                <a:cs typeface="Times New Roman" panose="02020603050405020304" pitchFamily="18" charset="0"/>
-              </a:rPr>
-              <a:t>&lt;</a:t>
-            </a:r>
-            <a:r>
-              <a:rPr lang="fr-FR" kern="100" dirty="0" err="1">
-                <a:cs typeface="Times New Roman" panose="02020603050405020304" pitchFamily="18" charset="0"/>
-              </a:rPr>
-              <a:t>PackageReference</a:t>
-            </a:r>
-            <a:r>
-              <a:rPr lang="fr-FR" kern="100" dirty="0">
-                <a:cs typeface="Times New Roman" panose="02020603050405020304" pitchFamily="18" charset="0"/>
-              </a:rPr>
-              <a:t> </a:t>
-            </a:r>
-            <a:r>
-              <a:rPr lang="fr-FR" kern="100" dirty="0" err="1">
-                <a:cs typeface="Times New Roman" panose="02020603050405020304" pitchFamily="18" charset="0"/>
-              </a:rPr>
-              <a:t>Include</a:t>
-            </a:r>
-            <a:r>
-              <a:rPr lang="fr-FR" kern="100" dirty="0">
-                <a:cs typeface="Times New Roman" panose="02020603050405020304" pitchFamily="18" charset="0"/>
-              </a:rPr>
-              <a:t>="</a:t>
-            </a:r>
-            <a:r>
-              <a:rPr lang="fr-FR" kern="100" dirty="0" err="1">
-                <a:cs typeface="Times New Roman" panose="02020603050405020304" pitchFamily="18" charset="0"/>
-              </a:rPr>
-              <a:t>SixLabors.ImageSharp</a:t>
-            </a:r>
-            <a:r>
-              <a:rPr lang="fr-FR" kern="100" dirty="0">
-                <a:cs typeface="Times New Roman" panose="02020603050405020304" pitchFamily="18" charset="0"/>
-              </a:rPr>
-              <a:t>" Version="3.1.11" /&gt;</a:t>
-            </a:r>
-          </a:p>
-          <a:p>
-            <a:pPr lvl="1"/>
-            <a:r>
-              <a:rPr lang="fr-FR" kern="100" dirty="0">
-                <a:cs typeface="Times New Roman" panose="02020603050405020304" pitchFamily="18" charset="0"/>
-              </a:rPr>
-              <a:t>&lt;</a:t>
-            </a:r>
-            <a:r>
-              <a:rPr lang="fr-FR" kern="100" dirty="0" err="1">
-                <a:cs typeface="Times New Roman" panose="02020603050405020304" pitchFamily="18" charset="0"/>
-              </a:rPr>
-              <a:t>PackageReference</a:t>
-            </a:r>
-            <a:r>
-              <a:rPr lang="fr-FR" kern="100" dirty="0">
-                <a:cs typeface="Times New Roman" panose="02020603050405020304" pitchFamily="18" charset="0"/>
-              </a:rPr>
-              <a:t> </a:t>
-            </a:r>
-            <a:r>
-              <a:rPr lang="fr-FR" kern="100" dirty="0" err="1">
-                <a:cs typeface="Times New Roman" panose="02020603050405020304" pitchFamily="18" charset="0"/>
-              </a:rPr>
-              <a:t>Include</a:t>
-            </a:r>
-            <a:r>
-              <a:rPr lang="fr-FR" kern="100" dirty="0">
-                <a:cs typeface="Times New Roman" panose="02020603050405020304" pitchFamily="18" charset="0"/>
-              </a:rPr>
-              <a:t>="</a:t>
-            </a:r>
-            <a:r>
-              <a:rPr lang="fr-FR" kern="100" dirty="0" err="1">
-                <a:cs typeface="Times New Roman" panose="02020603050405020304" pitchFamily="18" charset="0"/>
-              </a:rPr>
-              <a:t>SixLabors.ImageSharp.Drawing</a:t>
-            </a:r>
-            <a:r>
-              <a:rPr lang="fr-FR" kern="100" dirty="0">
-                <a:ea typeface="Aptos" panose="020B0004020202020204" pitchFamily="34" charset="0"/>
-                <a:cs typeface="Times New Roman" panose="02020603050405020304" pitchFamily="18" charset="0"/>
-              </a:rPr>
-              <a:t>" Version="2.1.7" /&gt;</a:t>
-            </a:r>
-          </a:p>
-          <a:p>
-            <a:pPr marL="285750" indent="-285750">
-              <a:buFont typeface="Arial" panose="020B0604020202020204" pitchFamily="34" charset="0"/>
-              <a:buChar char="•"/>
-            </a:pPr>
-            <a:endParaRPr lang="fr-FR" kern="100" dirty="0">
-              <a:ea typeface="Aptos" panose="020B0004020202020204" pitchFamily="34" charset="0"/>
-              <a:cs typeface="Times New Roman" panose="02020603050405020304" pitchFamily="18" charset="0"/>
-            </a:endParaRPr>
+              <a:t>Prétraite</a:t>
+            </a:r>
+            <a:r>
+              <a:rPr lang="fr-FR" dirty="0"/>
+              <a:t> deux images, passe leurs </a:t>
+            </a:r>
+            <a:r>
+              <a:rPr lang="fr-FR" b="1" dirty="0"/>
+              <a:t>tenseurs</a:t>
+            </a:r>
+            <a:r>
+              <a:rPr lang="fr-FR" dirty="0"/>
+              <a:t> dans le </a:t>
+            </a:r>
+            <a:r>
+              <a:rPr lang="fr-FR" b="1" dirty="0"/>
+              <a:t>modèle CLIP ONNX </a:t>
+            </a:r>
+            <a:r>
+              <a:rPr lang="fr-FR" dirty="0"/>
+              <a:t>pour obtenir leurs </a:t>
+            </a:r>
+            <a:r>
+              <a:rPr lang="fr-FR" dirty="0" err="1"/>
+              <a:t>embeddings</a:t>
+            </a:r>
+            <a:r>
+              <a:rPr lang="fr-FR" dirty="0"/>
+              <a:t>, puis retourne leur </a:t>
+            </a:r>
+            <a:r>
+              <a:rPr lang="fr-FR" b="1" dirty="0"/>
+              <a:t>similarité</a:t>
+            </a:r>
+            <a:r>
+              <a:rPr lang="fr-FR" dirty="0"/>
+              <a:t> cosinus en pourcentage</a:t>
+            </a:r>
           </a:p>
           <a:p>
             <a:pPr marL="285750" indent="-285750">
@@ -6074,144 +5983,55 @@
               <a:buChar char="•"/>
             </a:pPr>
             <a:r>
-              <a:rPr lang="fr-FR" b="1" kern="100" dirty="0">
-                <a:ea typeface="Aptos" panose="020B0004020202020204" pitchFamily="34" charset="0"/>
-                <a:cs typeface="Times New Roman" panose="02020603050405020304" pitchFamily="18" charset="0"/>
-              </a:rPr>
-              <a:t>Gestion des images</a:t>
-            </a:r>
-            <a:br>
-              <a:rPr lang="fr-FR" b="1" kern="100" dirty="0">
-                <a:ea typeface="Aptos" panose="020B0004020202020204" pitchFamily="34" charset="0"/>
-                <a:cs typeface="Times New Roman" panose="02020603050405020304" pitchFamily="18" charset="0"/>
-              </a:rPr>
-            </a:br>
-            <a:r>
-              <a:rPr lang="fr-FR" kern="100" dirty="0" err="1">
-                <a:ea typeface="Aptos" panose="020B0004020202020204" pitchFamily="34" charset="0"/>
-                <a:cs typeface="Times New Roman" panose="02020603050405020304" pitchFamily="18" charset="0"/>
-              </a:rPr>
-              <a:t>SixLabors.ImageSharp</a:t>
-            </a:r>
-            <a:br>
               <a:rPr lang="fr-FR" kern="100" dirty="0">
                 <a:ea typeface="Aptos" panose="020B0004020202020204" pitchFamily="34" charset="0"/>
                 <a:cs typeface="Times New Roman" panose="02020603050405020304" pitchFamily="18" charset="0"/>
               </a:rPr>
-            </a:br>
-            <a:r>
-              <a:rPr lang="fr-FR" kern="100" dirty="0" err="1">
-                <a:ea typeface="Aptos" panose="020B0004020202020204" pitchFamily="34" charset="0"/>
-                <a:cs typeface="Times New Roman" panose="02020603050405020304" pitchFamily="18" charset="0"/>
-              </a:rPr>
-              <a:t>SixLabors.ImageSharp.Drawing</a:t>
-            </a:r>
-            <a:endParaRPr lang="fr-FR" b="1" kern="100" dirty="0">
-              <a:ea typeface="Aptos" panose="020B0004020202020204" pitchFamily="34" charset="0"/>
-              <a:cs typeface="Times New Roman" panose="02020603050405020304" pitchFamily="18" charset="0"/>
-            </a:endParaRPr>
-          </a:p>
-          <a:p>
-            <a:pPr>
+              <a:t>Charge 2 images</a:t>
+            </a:r>
+          </a:p>
+          <a:p>
+            <a:pPr marL="285750" indent="-285750">
               <a:lnSpc>
                 <a:spcPct val="115000"/>
               </a:lnSpc>
               <a:spcAft>
                 <a:spcPts val="800"/>
               </a:spcAft>
-              <a:buNone/>
+              <a:buFont typeface="Arial" panose="020B0604020202020204" pitchFamily="34" charset="0"/>
+              <a:buChar char="•"/>
             </a:pPr>
-            <a:endParaRPr lang="fr-FR" kern="100" dirty="0">
-              <a:effectLst/>
-              <a:ea typeface="Aptos" panose="020B0004020202020204" pitchFamily="34" charset="0"/>
-              <a:cs typeface="Times New Roman" panose="02020603050405020304" pitchFamily="18" charset="0"/>
-            </a:endParaRPr>
-          </a:p>
-          <a:p>
-            <a:pPr>
+            <a:r>
+              <a:rPr lang="fr-FR" dirty="0"/>
+              <a:t>Transforme une image en tenseur </a:t>
+            </a:r>
+            <a:r>
+              <a:rPr lang="fr-FR" kern="100" dirty="0">
+                <a:cs typeface="Times New Roman" panose="02020603050405020304" pitchFamily="18" charset="0"/>
+              </a:rPr>
+              <a:t>normalisé, prêt à être passé dans le modèle CLIP ONNX</a:t>
+            </a:r>
+          </a:p>
+          <a:p>
+            <a:pPr marL="285750" indent="-285750">
               <a:lnSpc>
                 <a:spcPct val="115000"/>
               </a:lnSpc>
               <a:spcAft>
                 <a:spcPts val="800"/>
               </a:spcAft>
-              <a:buNone/>
+              <a:buFont typeface="Arial" panose="020B0604020202020204" pitchFamily="34" charset="0"/>
+              <a:buChar char="•"/>
             </a:pPr>
             <a:r>
-              <a:rPr lang="fr-FR" b="1" dirty="0">
-                <a:solidFill>
-                  <a:srgbClr val="C00000"/>
-                </a:solidFill>
+              <a:rPr lang="fr-FR" kern="100" dirty="0">
+                <a:cs typeface="Times New Roman" panose="02020603050405020304" pitchFamily="18" charset="0"/>
               </a:rPr>
-              <a:t>Principe de </a:t>
-            </a:r>
-            <a:r>
-              <a:rPr lang="fr-FR" b="1" dirty="0" err="1">
-                <a:solidFill>
-                  <a:srgbClr val="C00000"/>
-                </a:solidFill>
-              </a:rPr>
-              <a:t>DetectImages</a:t>
-            </a:r>
-            <a:endParaRPr lang="fr-FR" b="1" dirty="0">
-              <a:solidFill>
-                <a:srgbClr val="C00000"/>
-              </a:solidFill>
-            </a:endParaRPr>
-          </a:p>
-          <a:p>
-            <a:pPr>
-              <a:lnSpc>
-                <a:spcPct val="115000"/>
-              </a:lnSpc>
-              <a:spcAft>
-                <a:spcPts val="800"/>
-              </a:spcAft>
-              <a:buNone/>
-            </a:pPr>
+              <a:t>Calcule un score indiquant à quel point deux </a:t>
+            </a:r>
             <a:r>
               <a:rPr lang="fr-FR" dirty="0"/>
-              <a:t>👉 </a:t>
-            </a:r>
-            <a:r>
-              <a:rPr lang="fr-FR" b="1" dirty="0"/>
-              <a:t>Prétraite</a:t>
-            </a:r>
-            <a:r>
-              <a:rPr lang="fr-FR" dirty="0"/>
-              <a:t> deux images, passe leurs </a:t>
-            </a:r>
-            <a:r>
-              <a:rPr lang="fr-FR" b="1" dirty="0"/>
-              <a:t>tenseurs</a:t>
-            </a:r>
-            <a:r>
-              <a:rPr lang="fr-FR" dirty="0"/>
-              <a:t> dans le </a:t>
-            </a:r>
-            <a:r>
-              <a:rPr lang="fr-FR" b="1" dirty="0"/>
-              <a:t>modèle CLIP ONNX </a:t>
-            </a:r>
-            <a:r>
-              <a:rPr lang="fr-FR" dirty="0"/>
-              <a:t>pour obtenir leurs </a:t>
-            </a:r>
-            <a:r>
-              <a:rPr lang="fr-FR" dirty="0" err="1"/>
-              <a:t>embeddings</a:t>
-            </a:r>
-            <a:r>
-              <a:rPr lang="fr-FR" dirty="0"/>
-              <a:t>, puis retourne leur </a:t>
-            </a:r>
-            <a:r>
-              <a:rPr lang="fr-FR" b="1" dirty="0"/>
-              <a:t>similarité</a:t>
-            </a:r>
-            <a:r>
-              <a:rPr lang="fr-FR" dirty="0"/>
-              <a:t> cosinus en pourcentage</a:t>
+              <a:t>vecteurs pointent dans la même direction, donc leur similarité</a:t>
             </a:r>
           </a:p>
           <a:p>
@@ -6225,16 +6045,63 @@
               <a:buFont typeface="Arial" panose="020B0604020202020204" pitchFamily="34" charset="0"/>
               <a:buChar char="•"/>
             </a:pPr>
-            <a:r>
-              <a:rPr lang="fr-FR" kern="100" dirty="0">
+            <a:endParaRPr lang="fr-FR" dirty="0"/>
+          </a:p>
+          <a:p>
+            <a:r>
+              <a:rPr lang="fr-FR" b="1" dirty="0">
+                <a:solidFill>
+                  <a:srgbClr val="C00000"/>
+                </a:solidFill>
+              </a:rPr>
+              <a:t>Packages </a:t>
+            </a:r>
+            <a:r>
+              <a:rPr lang="fr-FR" b="1" dirty="0" err="1">
+                <a:solidFill>
+                  <a:srgbClr val="C00000"/>
+                </a:solidFill>
+              </a:rPr>
+              <a:t>Nuget</a:t>
+            </a:r>
+            <a:endParaRPr lang="fr-FR" b="1" dirty="0">
+              <a:solidFill>
+                <a:srgbClr val="C00000"/>
+              </a:solidFill>
+            </a:endParaRPr>
+          </a:p>
+          <a:p>
+            <a:pPr marL="285750" indent="-285750">
+              <a:buFont typeface="Arial" panose="020B0604020202020204" pitchFamily="34" charset="0"/>
+              <a:buChar char="•"/>
+            </a:pPr>
+            <a:r>
+              <a:rPr lang="fr-FR" b="1" dirty="0"/>
+              <a:t>Machine Learning : </a:t>
+            </a:r>
+            <a:r>
+              <a:rPr lang="fr-FR" kern="100" dirty="0" err="1">
                 <a:ea typeface="Aptos" panose="020B0004020202020204" pitchFamily="34" charset="0"/>
                 <a:cs typeface="Times New Roman" panose="02020603050405020304" pitchFamily="18" charset="0"/>
               </a:rPr>
-              <a:t>Charge 2 images</a:t>
-            </a:r>
-          </a:p>
-          <a:p>
-            <a:pPr marL="742950" lvl="1" indent="-285750">
+              <a:t>Microsoft.ML.</a:t>
+            </a:r>
+            <a:r>
+              <a:rPr lang="fr-FR" kern="100" dirty="0" err="1">
+                <a:cs typeface="Times New Roman" panose="02020603050405020304" pitchFamily="18" charset="0"/>
+              </a:rPr>
+              <a:t>OnnxTransformer</a:t>
+            </a:r>
+            <a:r>
+              <a:rPr lang="fr-FR" kern="100" dirty="0">
+                <a:cs typeface="Times New Roman" panose="02020603050405020304" pitchFamily="18" charset="0"/>
+              </a:rPr>
+              <a:t>,</a:t>
+            </a:r>
+            <a:endParaRPr lang="fr-FR" b="1" dirty="0"/>
+          </a:p>
+          <a:p>
+            <a:pPr marL="285750" indent="-285750">
               <a:lnSpc>
                 <a:spcPct val="115000"/>
               </a:lnSpc>
@@ -6245,48 +6112,19 @@
               <a:buChar char="•"/>
             </a:pPr>
             <a:r>
-              <a:rPr lang="fr-FR" dirty="0"/>
-              <a:t>Transforme une image en tenseur </a:t>
-            </a:r>
-            <a:r>
-              <a:rPr lang="fr-FR" kern="100" dirty="0">
+              <a:rPr lang="fr-FR" b="1" kern="100" dirty="0">
+                <a:ea typeface="Aptos" panose="020B0004020202020204" pitchFamily="34" charset="0"/>
                 <a:cs typeface="Times New Roman" panose="02020603050405020304" pitchFamily="18" charset="0"/>
               </a:rPr>
-              <a:t>normalisé, prêt à être passé dans le modèle CLIP ONNX</a:t>
-            </a:r>
-          </a:p>
-          <a:p>
-            <a:pPr marL="742950" lvl="1" indent="-285750">
-              <a:lnSpc>
-                <a:spcPct val="115000"/>
-              </a:lnSpc>
-              <a:spcAft>
-                <a:spcPts val="800"/>
-              </a:spcAft>
-              <a:buFont typeface="Arial" panose="020B0604020202020204" pitchFamily="34" charset="0"/>
-              <a:buChar char="•"/>
-            </a:pPr>
-            <a:r>
-              <a:rPr lang="fr-FR" kern="100" dirty="0">
+              <a:t>Gestion des images : </a:t>
+            </a:r>
+            <a:r>
+              <a:rPr lang="fr-FR" kern="100" dirty="0" err="1">
+                <a:ea typeface="Aptos" panose="020B0004020202020204" pitchFamily="34" charset="0"/>
                 <a:cs typeface="Times New Roman" panose="02020603050405020304" pitchFamily="18" charset="0"/>
               </a:rPr>
-              <a:t>Calcule un score indiquant à quel point deux </a:t>
-            </a:r>
-            <a:r>
-              <a:rPr lang="fr-FR" dirty="0"/>
-              <a:t>vecteurs pointent dans la même direction, donc leur similarité</a:t>
-            </a:r>
-          </a:p>
-          <a:p>
-            <a:pPr>
-              <a:lnSpc>
-                <a:spcPct val="115000"/>
-              </a:lnSpc>
-              <a:spcAft>
-                <a:spcPts val="800"/>
-              </a:spcAft>
-              <a:buNone/>
-            </a:pPr>
+              <a:t>SixLabors.ImageSharp</a:t>
+            </a:r>
             <a:endParaRPr lang="fr-FR" kern="100" dirty="0">
               <a:effectLst/>
               <a:ea typeface="Aptos" panose="020B0004020202020204" pitchFamily="34" charset="0"/>
@@ -6295,10 +6133,45 @@
           </a:p>
         </p:txBody>
       </p:sp>
+      <p:pic>
+        <p:nvPicPr>
+          <p:cNvPr id="3" name="Image 2">
+            <a:extLst>
+              <a:ext uri="{FF2B5EF4-FFF2-40B4-BE49-F238E27FC236}">
+                <a16:creationId xmlns:a16="http://schemas.microsoft.com/office/drawing/2014/main" id="{D2240D2C-37B0-5527-F497-858B295CE45C}"/>
+              </a:ext>
+            </a:extLst>
+          </p:cNvPr>
+          <p:cNvPicPr>
+            <a:picLocks noChangeAspect="1"/>
+          </p:cNvPicPr>
+          <p:nvPr/>
+        </p:nvPicPr>
+        <p:blipFill>
+          <a:blip r:embed="rId2"/>
+          <a:stretch>
+            <a:fillRect/>
+          </a:stretch>
+        </p:blipFill>
+        <p:spPr>
+          <a:xfrm>
+            <a:off x="6096000" y="457737"/>
+            <a:ext cx="5744684" cy="4362082"/>
+          </a:xfrm>
+          <a:prstGeom prst="rect">
+            <a:avLst/>
+          </a:prstGeom>
+          <a:ln>
+            <a:solidFill>
+              <a:schemeClr val="accent1"/>
+            </a:solidFill>
+          </a:ln>
+        </p:spPr>
+      </p:pic>
     </p:spTree>
     <p:extLst>
       <p:ext uri="{BB962C8B-B14F-4D97-AF65-F5344CB8AC3E}">
-        <p14:creationId xmlns:p14="http://schemas.microsoft.com/office/powerpoint/2010/main" val="2621957633"/>
+        <p14:creationId xmlns:p14="http://schemas.microsoft.com/office/powerpoint/2010/main" val="3463073561"/>
       </p:ext>
     </p:extLst>
   </p:cSld>
@@ -7234,6 +7107,15 @@
 </file>
 
 <file path=customXml/item1.xml><?xml version="1.0" encoding="utf-8"?>
+<?mso-contentType ?>
+<FormTemplates xmlns="http://schemas.microsoft.com/sharepoint/v3/contenttype/forms">
+  <Display>DocumentLibraryForm</Display>
+  <Edit>DocumentLibraryForm</Edit>
+  <New>DocumentLibraryForm</New>
+</FormTemplates>
+</file>
+
+<file path=customXml/item2.xml><?xml version="1.0" encoding="utf-8"?>
 <p:properties xmlns:p="http://schemas.microsoft.com/office/2006/metadata/properties" xmlns:xsi="http://www.w3.org/2001/XMLSchema-instance" xmlns:pc="http://schemas.microsoft.com/office/infopath/2007/PartnerControls">
   <documentManagement>
     <TaxCatchAll xmlns="1306c120-c82f-427b-b60f-965dd199dd7e" xsi:nil="true"/>
@@ -7242,15 +7124,6 @@
     </lcf76f155ced4ddcb4097134ff3c332f>
   </documentManagement>
 </p:properties>
-</file>
-
-<file path=customXml/item2.xml><?xml version="1.0" encoding="utf-8"?>
-<?mso-contentType ?>
-<FormTemplates xmlns="http://schemas.microsoft.com/sharepoint/v3/contenttype/forms">
-  <Display>DocumentLibraryForm</Display>
-  <Edit>DocumentLibraryForm</Edit>
-  <New>DocumentLibraryForm</New>
-</FormTemplates>
 </file>
 
 <file path=customXml/item3.xml><?xml version="1.0" encoding="utf-8"?>
@@ -7503,6 +7376,14 @@
 </file>
 
 <file path=customXml/itemProps1.xml><?xml version="1.0" encoding="utf-8"?>
+<ds:datastoreItem xmlns:ds="http://schemas.openxmlformats.org/officeDocument/2006/customXml" ds:itemID="{3A38DC16-EDE5-464F-A679-746A2E683D82}">
+  <ds:schemaRefs>
+    <ds:schemaRef ds:uri="http://schemas.microsoft.com/sharepoint/v3/contenttype/forms"/>
+  </ds:schemaRefs>
+</ds:datastoreItem>
+</file>
+
+<file path=customXml/itemProps2.xml><?xml version="1.0" encoding="utf-8"?>
 <ds:datastoreItem xmlns:ds="http://schemas.openxmlformats.org/officeDocument/2006/customXml" ds:itemID="{23C54CAA-3610-4EAC-8535-9AA9C297C8AD}">
   <ds:schemaRefs>
     <ds:schemaRef ds:uri="1306c120-c82f-427b-b60f-965dd199dd7e"/>
@@ -7515,14 +7396,6 @@
     <ds:schemaRef ds:uri="http://schemas.microsoft.com/office/2006/metadata/properties"/>
     <ds:schemaRef ds:uri="http://purl.org/dc/dcmitype/"/>
     <ds:schemaRef ds:uri="http://purl.org/dc/elements/1.1/"/>
-  </ds:schemaRefs>
-</ds:datastoreItem>
-</file>
-
-<file path=customXml/itemProps2.xml><?xml version="1.0" encoding="utf-8"?>
-<ds:datastoreItem xmlns:ds="http://schemas.openxmlformats.org/officeDocument/2006/customXml" ds:itemID="{3A38DC16-EDE5-464F-A679-746A2E683D82}">
-  <ds:schemaRefs>
-    <ds:schemaRef ds:uri="http://schemas.microsoft.com/sharepoint/v3/contenttype/forms"/>
   </ds:schemaRefs>
 </ds:datastoreItem>
 </file>

--- a/Détection de doublons d’images par ressemblance.pptx
+++ b/Détection de doublons d’images par ressemblance.pptx
@@ -5853,7 +5853,7 @@
         <p:spPr>
           <a:xfrm>
             <a:off x="237066" y="318452"/>
-            <a:ext cx="5610578" cy="5068760"/>
+            <a:ext cx="5610578" cy="5489901"/>
           </a:xfrm>
           <a:prstGeom prst="rect">
             <a:avLst/>
@@ -5927,7 +5927,31 @@
               <a:buNone/>
             </a:pPr>
             <a:r>
-              <a:rPr lang="fr-FR" dirty="0"/>
+              <a:rPr lang="fr-FR" dirty="0">
+                <a:hlinkClick r:id="rId2"/>
+              </a:rPr>
+              <a:t>https://github.com/oliviergoetz</a:t>
+            </a:r>
+            <a:r>
+              <a:rPr lang="fr-FR">
+                <a:hlinkClick r:id="rId2"/>
+              </a:rPr>
+              <a:t>/DetectImages</a:t>
+            </a:r>
+            <a:endParaRPr lang="fr-FR"/>
+          </a:p>
+          <a:p>
+            <a:pPr>
+              <a:lnSpc>
+                <a:spcPct val="115000"/>
+              </a:lnSpc>
+              <a:spcAft>
+                <a:spcPts val="800"/>
+              </a:spcAft>
+              <a:buNone/>
+            </a:pPr>
+            <a:r>
+              <a:rPr lang="fr-FR"/>
               <a:t>👉 </a:t>
             </a:r>
             <a:r>
@@ -6148,7 +6172,7 @@
           <p:nvPr/>
         </p:nvPicPr>
         <p:blipFill>
-          <a:blip r:embed="rId2"/>
+          <a:blip r:embed="rId3"/>
           <a:stretch>
             <a:fillRect/>
           </a:stretch>
@@ -7107,15 +7131,6 @@
 </file>
 
 <file path=customXml/item1.xml><?xml version="1.0" encoding="utf-8"?>
-<?mso-contentType ?>
-<FormTemplates xmlns="http://schemas.microsoft.com/sharepoint/v3/contenttype/forms">
-  <Display>DocumentLibraryForm</Display>
-  <Edit>DocumentLibraryForm</Edit>
-  <New>DocumentLibraryForm</New>
-</FormTemplates>
-</file>
-
-<file path=customXml/item2.xml><?xml version="1.0" encoding="utf-8"?>
 <p:properties xmlns:p="http://schemas.microsoft.com/office/2006/metadata/properties" xmlns:xsi="http://www.w3.org/2001/XMLSchema-instance" xmlns:pc="http://schemas.microsoft.com/office/infopath/2007/PartnerControls">
   <documentManagement>
     <TaxCatchAll xmlns="1306c120-c82f-427b-b60f-965dd199dd7e" xsi:nil="true"/>
@@ -7124,6 +7139,15 @@
     </lcf76f155ced4ddcb4097134ff3c332f>
   </documentManagement>
 </p:properties>
+</file>
+
+<file path=customXml/item2.xml><?xml version="1.0" encoding="utf-8"?>
+<?mso-contentType ?>
+<FormTemplates xmlns="http://schemas.microsoft.com/sharepoint/v3/contenttype/forms">
+  <Display>DocumentLibraryForm</Display>
+  <Edit>DocumentLibraryForm</Edit>
+  <New>DocumentLibraryForm</New>
+</FormTemplates>
 </file>
 
 <file path=customXml/item3.xml><?xml version="1.0" encoding="utf-8"?>
@@ -7376,14 +7400,6 @@
 </file>
 
 <file path=customXml/itemProps1.xml><?xml version="1.0" encoding="utf-8"?>
-<ds:datastoreItem xmlns:ds="http://schemas.openxmlformats.org/officeDocument/2006/customXml" ds:itemID="{3A38DC16-EDE5-464F-A679-746A2E683D82}">
-  <ds:schemaRefs>
-    <ds:schemaRef ds:uri="http://schemas.microsoft.com/sharepoint/v3/contenttype/forms"/>
-  </ds:schemaRefs>
-</ds:datastoreItem>
-</file>
-
-<file path=customXml/itemProps2.xml><?xml version="1.0" encoding="utf-8"?>
 <ds:datastoreItem xmlns:ds="http://schemas.openxmlformats.org/officeDocument/2006/customXml" ds:itemID="{23C54CAA-3610-4EAC-8535-9AA9C297C8AD}">
   <ds:schemaRefs>
     <ds:schemaRef ds:uri="1306c120-c82f-427b-b60f-965dd199dd7e"/>
@@ -7396,6 +7412,14 @@
     <ds:schemaRef ds:uri="http://schemas.microsoft.com/office/2006/metadata/properties"/>
     <ds:schemaRef ds:uri="http://purl.org/dc/dcmitype/"/>
     <ds:schemaRef ds:uri="http://purl.org/dc/elements/1.1/"/>
+  </ds:schemaRefs>
+</ds:datastoreItem>
+</file>
+
+<file path=customXml/itemProps2.xml><?xml version="1.0" encoding="utf-8"?>
+<ds:datastoreItem xmlns:ds="http://schemas.openxmlformats.org/officeDocument/2006/customXml" ds:itemID="{3A38DC16-EDE5-464F-A679-746A2E683D82}">
+  <ds:schemaRefs>
+    <ds:schemaRef ds:uri="http://schemas.microsoft.com/sharepoint/v3/contenttype/forms"/>
   </ds:schemaRefs>
 </ds:datastoreItem>
 </file>
